--- a/explication_mockup/explication_mockup.pptx
+++ b/explication_mockup/explication_mockup.pptx
@@ -104,6 +104,11 @@
       </a:defRPr>
     </a:lvl9pPr>
   </p:defaultTextStyle>
+  <p:extLst>
+    <p:ext uri="{EFAFB233-063F-42B5-8137-9DF3F51BA10A}">
+      <p15:sldGuideLst xmlns:p15="http://schemas.microsoft.com/office/powerpoint/2012/main"/>
+    </p:ext>
+  </p:extLst>
 </p:presentation>
 </file>
 
@@ -3693,6 +3698,78 @@
           </a:prstGeom>
         </p:spPr>
       </p:pic>
+      <p:pic>
+        <p:nvPicPr>
+          <p:cNvPr id="3" name="Image 2">
+            <a:extLst>
+              <a:ext uri="{FF2B5EF4-FFF2-40B4-BE49-F238E27FC236}">
+                <a16:creationId xmlns:a16="http://schemas.microsoft.com/office/drawing/2014/main" id="{84436FB2-B13C-4BD6-9717-7B9F643D21F5}"/>
+              </a:ext>
+            </a:extLst>
+          </p:cNvPr>
+          <p:cNvPicPr>
+            <a:picLocks noChangeAspect="1"/>
+          </p:cNvPicPr>
+          <p:nvPr/>
+        </p:nvPicPr>
+        <p:blipFill>
+          <a:blip r:embed="rId7">
+            <a:extLst>
+              <a:ext uri="{28A0092B-C50C-407E-A947-70E740481C1C}">
+                <a14:useLocalDpi xmlns:a14="http://schemas.microsoft.com/office/drawing/2010/main" val="0"/>
+              </a:ext>
+            </a:extLst>
+          </a:blip>
+          <a:stretch>
+            <a:fillRect/>
+          </a:stretch>
+        </p:blipFill>
+        <p:spPr>
+          <a:xfrm>
+            <a:off x="11012671" y="815290"/>
+            <a:ext cx="895350" cy="942975"/>
+          </a:xfrm>
+          <a:prstGeom prst="rect">
+            <a:avLst/>
+          </a:prstGeom>
+        </p:spPr>
+      </p:pic>
+      <p:sp>
+        <p:nvSpPr>
+          <p:cNvPr id="5" name="ZoneTexte 4">
+            <a:extLst>
+              <a:ext uri="{FF2B5EF4-FFF2-40B4-BE49-F238E27FC236}">
+                <a16:creationId xmlns:a16="http://schemas.microsoft.com/office/drawing/2014/main" id="{E46316D3-CC92-4F95-A3DA-EC56EA9D36DF}"/>
+              </a:ext>
+            </a:extLst>
+          </p:cNvPr>
+          <p:cNvSpPr txBox="1"/>
+          <p:nvPr/>
+        </p:nvSpPr>
+        <p:spPr>
+          <a:xfrm>
+            <a:off x="8274014" y="969270"/>
+            <a:ext cx="2634991" cy="584775"/>
+          </a:xfrm>
+          <a:prstGeom prst="rect">
+            <a:avLst/>
+          </a:prstGeom>
+          <a:noFill/>
+        </p:spPr>
+        <p:txBody>
+          <a:bodyPr wrap="square" rtlCol="0">
+            <a:spAutoFit/>
+          </a:bodyPr>
+          <a:lstStyle/>
+          <a:p>
+            <a:pPr algn="r"/>
+            <a:r>
+              <a:rPr lang="fr-FR" sz="1600" dirty="0"/>
+              <a:t>La flèche permet au click de remonter en haut de page</a:t>
+            </a:r>
+          </a:p>
+        </p:txBody>
+      </p:sp>
     </p:spTree>
     <p:extLst>
       <p:ext uri="{BB962C8B-B14F-4D97-AF65-F5344CB8AC3E}">
